--- a/ppt 16-9/0304.聚会大意.pptx
+++ b/ppt 16-9/0304.聚会大意.pptx
@@ -5,7 +5,7 @@
     <p:sldMasterId id="2147483648" r:id="rId1"/>
   </p:sldMasterIdLst>
   <p:sldIdLst>
-    <p:sldId id="3184" r:id="rId2"/>
+    <p:sldId id="3185" r:id="rId2"/>
   </p:sldIdLst>
   <p:sldSz cx="12192000" cy="6858000"/>
   <p:notesSz cx="6858000" cy="9144000"/>
@@ -129,7 +129,7 @@
           <p:cNvPr id="2" name="标题 1">
             <a:extLst>
               <a:ext uri="{FF2B5EF4-FFF2-40B4-BE49-F238E27FC236}">
-                <a16:creationId xmlns:a16="http://schemas.microsoft.com/office/drawing/2014/main" id="{96FD0DB7-A386-455C-ACD7-499F2367CB62}"/>
+                <a16:creationId xmlns:a16="http://schemas.microsoft.com/office/drawing/2014/main" id="{C3174A2C-92AB-7D3E-BF3F-85F1D9547D5C}"/>
               </a:ext>
             </a:extLst>
           </p:cNvPr>
@@ -166,7 +166,7 @@
           <p:cNvPr id="3" name="副标题 2">
             <a:extLst>
               <a:ext uri="{FF2B5EF4-FFF2-40B4-BE49-F238E27FC236}">
-                <a16:creationId xmlns:a16="http://schemas.microsoft.com/office/drawing/2014/main" id="{19F8A0FA-DA93-25B2-CD06-3F60A9B1AC68}"/>
+                <a16:creationId xmlns:a16="http://schemas.microsoft.com/office/drawing/2014/main" id="{AF08ABD7-7801-F72E-8983-6DBF6877F88B}"/>
               </a:ext>
             </a:extLst>
           </p:cNvPr>
@@ -236,7 +236,7 @@
           <p:cNvPr id="4" name="日期占位符 3">
             <a:extLst>
               <a:ext uri="{FF2B5EF4-FFF2-40B4-BE49-F238E27FC236}">
-                <a16:creationId xmlns:a16="http://schemas.microsoft.com/office/drawing/2014/main" id="{4F46E909-73B4-AFEA-03A0-A88C0D61C30C}"/>
+                <a16:creationId xmlns:a16="http://schemas.microsoft.com/office/drawing/2014/main" id="{FF8F1F3B-CF9D-1212-0C36-B50694EED3B3}"/>
               </a:ext>
             </a:extLst>
           </p:cNvPr>
@@ -252,7 +252,7 @@
           <a:bodyPr/>
           <a:lstStyle/>
           <a:p>
-            <a:fld id="{E00C80D2-7CC3-4DF3-A100-B04EBF091CC6}" type="datetimeFigureOut">
+            <a:fld id="{FA644BDE-AFE5-4FC7-BE6B-28827A952D25}" type="datetimeFigureOut">
               <a:rPr lang="zh-CN" altLang="en-US" smtClean="0"/>
               <a:t>2024/3/10</a:t>
             </a:fld>
@@ -265,7 +265,7 @@
           <p:cNvPr id="5" name="页脚占位符 4">
             <a:extLst>
               <a:ext uri="{FF2B5EF4-FFF2-40B4-BE49-F238E27FC236}">
-                <a16:creationId xmlns:a16="http://schemas.microsoft.com/office/drawing/2014/main" id="{4708C1F8-4010-A11E-3AA6-8AAAD5A5515D}"/>
+                <a16:creationId xmlns:a16="http://schemas.microsoft.com/office/drawing/2014/main" id="{7B01CBAA-CB0A-EE60-D7EF-A373F0A3C19A}"/>
               </a:ext>
             </a:extLst>
           </p:cNvPr>
@@ -290,7 +290,7 @@
           <p:cNvPr id="6" name="灯片编号占位符 5">
             <a:extLst>
               <a:ext uri="{FF2B5EF4-FFF2-40B4-BE49-F238E27FC236}">
-                <a16:creationId xmlns:a16="http://schemas.microsoft.com/office/drawing/2014/main" id="{70CA75D4-024E-05EF-F09F-43D25E676990}"/>
+                <a16:creationId xmlns:a16="http://schemas.microsoft.com/office/drawing/2014/main" id="{438F73AD-9497-E73C-8FA0-5292D2DAD434}"/>
               </a:ext>
             </a:extLst>
           </p:cNvPr>
@@ -306,7 +306,7 @@
           <a:bodyPr/>
           <a:lstStyle/>
           <a:p>
-            <a:fld id="{D44C3FA2-A2AD-42D0-ADB5-838461FB3B30}" type="slidenum">
+            <a:fld id="{593C2A23-1E34-4F7A-B36B-50426E181041}" type="slidenum">
               <a:rPr lang="zh-CN" altLang="en-US" smtClean="0"/>
               <a:t>‹#›</a:t>
             </a:fld>
@@ -317,7 +317,7 @@
     </p:spTree>
     <p:extLst>
       <p:ext uri="{BB962C8B-B14F-4D97-AF65-F5344CB8AC3E}">
-        <p14:creationId xmlns:p14="http://schemas.microsoft.com/office/powerpoint/2010/main" val="1154851652"/>
+        <p14:creationId xmlns:p14="http://schemas.microsoft.com/office/powerpoint/2010/main" val="2150561945"/>
       </p:ext>
     </p:extLst>
   </p:cSld>
@@ -349,7 +349,7 @@
           <p:cNvPr id="2" name="标题 1">
             <a:extLst>
               <a:ext uri="{FF2B5EF4-FFF2-40B4-BE49-F238E27FC236}">
-                <a16:creationId xmlns:a16="http://schemas.microsoft.com/office/drawing/2014/main" id="{A407CF03-AC41-07CA-3F14-F83D61562CCE}"/>
+                <a16:creationId xmlns:a16="http://schemas.microsoft.com/office/drawing/2014/main" id="{60A4F921-2E5E-73F2-AF98-57950FED5671}"/>
               </a:ext>
             </a:extLst>
           </p:cNvPr>
@@ -377,7 +377,7 @@
           <p:cNvPr id="3" name="竖排文字占位符 2">
             <a:extLst>
               <a:ext uri="{FF2B5EF4-FFF2-40B4-BE49-F238E27FC236}">
-                <a16:creationId xmlns:a16="http://schemas.microsoft.com/office/drawing/2014/main" id="{A88562D9-1E38-E653-A077-FEEF20AB2972}"/>
+                <a16:creationId xmlns:a16="http://schemas.microsoft.com/office/drawing/2014/main" id="{16C042E3-B367-F8D3-602E-78D8A2DA2CB9}"/>
               </a:ext>
             </a:extLst>
           </p:cNvPr>
@@ -434,7 +434,7 @@
           <p:cNvPr id="4" name="日期占位符 3">
             <a:extLst>
               <a:ext uri="{FF2B5EF4-FFF2-40B4-BE49-F238E27FC236}">
-                <a16:creationId xmlns:a16="http://schemas.microsoft.com/office/drawing/2014/main" id="{24931922-6DC2-A0BE-E25E-4E4AE36D6279}"/>
+                <a16:creationId xmlns:a16="http://schemas.microsoft.com/office/drawing/2014/main" id="{CB95569B-2FC4-83A9-51FD-4551CE88092F}"/>
               </a:ext>
             </a:extLst>
           </p:cNvPr>
@@ -450,7 +450,7 @@
           <a:bodyPr/>
           <a:lstStyle/>
           <a:p>
-            <a:fld id="{E00C80D2-7CC3-4DF3-A100-B04EBF091CC6}" type="datetimeFigureOut">
+            <a:fld id="{FA644BDE-AFE5-4FC7-BE6B-28827A952D25}" type="datetimeFigureOut">
               <a:rPr lang="zh-CN" altLang="en-US" smtClean="0"/>
               <a:t>2024/3/10</a:t>
             </a:fld>
@@ -463,7 +463,7 @@
           <p:cNvPr id="5" name="页脚占位符 4">
             <a:extLst>
               <a:ext uri="{FF2B5EF4-FFF2-40B4-BE49-F238E27FC236}">
-                <a16:creationId xmlns:a16="http://schemas.microsoft.com/office/drawing/2014/main" id="{8C532417-C7E6-1C9F-FDB6-BE6992528202}"/>
+                <a16:creationId xmlns:a16="http://schemas.microsoft.com/office/drawing/2014/main" id="{6B055E63-2491-26A3-C9B1-6FAE961A08C9}"/>
               </a:ext>
             </a:extLst>
           </p:cNvPr>
@@ -488,7 +488,7 @@
           <p:cNvPr id="6" name="灯片编号占位符 5">
             <a:extLst>
               <a:ext uri="{FF2B5EF4-FFF2-40B4-BE49-F238E27FC236}">
-                <a16:creationId xmlns:a16="http://schemas.microsoft.com/office/drawing/2014/main" id="{BA695952-1F23-BAED-0B7E-81F82C458395}"/>
+                <a16:creationId xmlns:a16="http://schemas.microsoft.com/office/drawing/2014/main" id="{9DC17362-0036-F9E4-4DF9-2443D5DE0429}"/>
               </a:ext>
             </a:extLst>
           </p:cNvPr>
@@ -504,7 +504,7 @@
           <a:bodyPr/>
           <a:lstStyle/>
           <a:p>
-            <a:fld id="{D44C3FA2-A2AD-42D0-ADB5-838461FB3B30}" type="slidenum">
+            <a:fld id="{593C2A23-1E34-4F7A-B36B-50426E181041}" type="slidenum">
               <a:rPr lang="zh-CN" altLang="en-US" smtClean="0"/>
               <a:t>‹#›</a:t>
             </a:fld>
@@ -515,7 +515,7 @@
     </p:spTree>
     <p:extLst>
       <p:ext uri="{BB962C8B-B14F-4D97-AF65-F5344CB8AC3E}">
-        <p14:creationId xmlns:p14="http://schemas.microsoft.com/office/powerpoint/2010/main" val="866158883"/>
+        <p14:creationId xmlns:p14="http://schemas.microsoft.com/office/powerpoint/2010/main" val="2094809768"/>
       </p:ext>
     </p:extLst>
   </p:cSld>
@@ -547,7 +547,7 @@
           <p:cNvPr id="2" name="竖排标题 1">
             <a:extLst>
               <a:ext uri="{FF2B5EF4-FFF2-40B4-BE49-F238E27FC236}">
-                <a16:creationId xmlns:a16="http://schemas.microsoft.com/office/drawing/2014/main" id="{150C4F93-35D3-507B-F438-0B5254CC0897}"/>
+                <a16:creationId xmlns:a16="http://schemas.microsoft.com/office/drawing/2014/main" id="{281E87B9-B9DA-81DC-14F3-D34E77B2C1E0}"/>
               </a:ext>
             </a:extLst>
           </p:cNvPr>
@@ -580,7 +580,7 @@
           <p:cNvPr id="3" name="竖排文字占位符 2">
             <a:extLst>
               <a:ext uri="{FF2B5EF4-FFF2-40B4-BE49-F238E27FC236}">
-                <a16:creationId xmlns:a16="http://schemas.microsoft.com/office/drawing/2014/main" id="{2E0F2A4D-ADA1-9D89-4DDD-B7482D60756D}"/>
+                <a16:creationId xmlns:a16="http://schemas.microsoft.com/office/drawing/2014/main" id="{85C95F39-D649-3BC9-061E-D73881278E5D}"/>
               </a:ext>
             </a:extLst>
           </p:cNvPr>
@@ -642,7 +642,7 @@
           <p:cNvPr id="4" name="日期占位符 3">
             <a:extLst>
               <a:ext uri="{FF2B5EF4-FFF2-40B4-BE49-F238E27FC236}">
-                <a16:creationId xmlns:a16="http://schemas.microsoft.com/office/drawing/2014/main" id="{A205789F-2DE7-14C1-D689-76F7077218ED}"/>
+                <a16:creationId xmlns:a16="http://schemas.microsoft.com/office/drawing/2014/main" id="{F27430E2-89B8-7B00-22B6-C8CB947EB311}"/>
               </a:ext>
             </a:extLst>
           </p:cNvPr>
@@ -658,7 +658,7 @@
           <a:bodyPr/>
           <a:lstStyle/>
           <a:p>
-            <a:fld id="{E00C80D2-7CC3-4DF3-A100-B04EBF091CC6}" type="datetimeFigureOut">
+            <a:fld id="{FA644BDE-AFE5-4FC7-BE6B-28827A952D25}" type="datetimeFigureOut">
               <a:rPr lang="zh-CN" altLang="en-US" smtClean="0"/>
               <a:t>2024/3/10</a:t>
             </a:fld>
@@ -671,7 +671,7 @@
           <p:cNvPr id="5" name="页脚占位符 4">
             <a:extLst>
               <a:ext uri="{FF2B5EF4-FFF2-40B4-BE49-F238E27FC236}">
-                <a16:creationId xmlns:a16="http://schemas.microsoft.com/office/drawing/2014/main" id="{A408BAAC-24E1-5838-7279-2C29C7CC94C5}"/>
+                <a16:creationId xmlns:a16="http://schemas.microsoft.com/office/drawing/2014/main" id="{DCED0825-5FB4-8860-886F-C2EB59139F68}"/>
               </a:ext>
             </a:extLst>
           </p:cNvPr>
@@ -696,7 +696,7 @@
           <p:cNvPr id="6" name="灯片编号占位符 5">
             <a:extLst>
               <a:ext uri="{FF2B5EF4-FFF2-40B4-BE49-F238E27FC236}">
-                <a16:creationId xmlns:a16="http://schemas.microsoft.com/office/drawing/2014/main" id="{9D648CAB-4D61-FB6E-891B-41DCEF01032A}"/>
+                <a16:creationId xmlns:a16="http://schemas.microsoft.com/office/drawing/2014/main" id="{B7229807-55DA-CAD7-856C-84B5D298C208}"/>
               </a:ext>
             </a:extLst>
           </p:cNvPr>
@@ -712,7 +712,7 @@
           <a:bodyPr/>
           <a:lstStyle/>
           <a:p>
-            <a:fld id="{D44C3FA2-A2AD-42D0-ADB5-838461FB3B30}" type="slidenum">
+            <a:fld id="{593C2A23-1E34-4F7A-B36B-50426E181041}" type="slidenum">
               <a:rPr lang="zh-CN" altLang="en-US" smtClean="0"/>
               <a:t>‹#›</a:t>
             </a:fld>
@@ -723,7 +723,7 @@
     </p:spTree>
     <p:extLst>
       <p:ext uri="{BB962C8B-B14F-4D97-AF65-F5344CB8AC3E}">
-        <p14:creationId xmlns:p14="http://schemas.microsoft.com/office/powerpoint/2010/main" val="792804218"/>
+        <p14:creationId xmlns:p14="http://schemas.microsoft.com/office/powerpoint/2010/main" val="3400675397"/>
       </p:ext>
     </p:extLst>
   </p:cSld>
@@ -755,7 +755,7 @@
           <p:cNvPr id="2" name="标题 1">
             <a:extLst>
               <a:ext uri="{FF2B5EF4-FFF2-40B4-BE49-F238E27FC236}">
-                <a16:creationId xmlns:a16="http://schemas.microsoft.com/office/drawing/2014/main" id="{EC5D6B39-361B-B894-864C-1FBE5481D038}"/>
+                <a16:creationId xmlns:a16="http://schemas.microsoft.com/office/drawing/2014/main" id="{28D9AD6B-6E84-EA1F-DE9A-E2BF971AB268}"/>
               </a:ext>
             </a:extLst>
           </p:cNvPr>
@@ -783,7 +783,7 @@
           <p:cNvPr id="3" name="内容占位符 2">
             <a:extLst>
               <a:ext uri="{FF2B5EF4-FFF2-40B4-BE49-F238E27FC236}">
-                <a16:creationId xmlns:a16="http://schemas.microsoft.com/office/drawing/2014/main" id="{AA95D5EA-5859-4257-1D4D-15B14824B58E}"/>
+                <a16:creationId xmlns:a16="http://schemas.microsoft.com/office/drawing/2014/main" id="{7078A737-08A4-1BDC-6CD2-B246E368DB90}"/>
               </a:ext>
             </a:extLst>
           </p:cNvPr>
@@ -840,7 +840,7 @@
           <p:cNvPr id="4" name="日期占位符 3">
             <a:extLst>
               <a:ext uri="{FF2B5EF4-FFF2-40B4-BE49-F238E27FC236}">
-                <a16:creationId xmlns:a16="http://schemas.microsoft.com/office/drawing/2014/main" id="{F9A7EEC8-9FBF-9DA8-12ED-A6B5CD8E9931}"/>
+                <a16:creationId xmlns:a16="http://schemas.microsoft.com/office/drawing/2014/main" id="{AF2A61A1-70AF-0625-3C1E-BE91AF7ACAA5}"/>
               </a:ext>
             </a:extLst>
           </p:cNvPr>
@@ -856,7 +856,7 @@
           <a:bodyPr/>
           <a:lstStyle/>
           <a:p>
-            <a:fld id="{E00C80D2-7CC3-4DF3-A100-B04EBF091CC6}" type="datetimeFigureOut">
+            <a:fld id="{FA644BDE-AFE5-4FC7-BE6B-28827A952D25}" type="datetimeFigureOut">
               <a:rPr lang="zh-CN" altLang="en-US" smtClean="0"/>
               <a:t>2024/3/10</a:t>
             </a:fld>
@@ -869,7 +869,7 @@
           <p:cNvPr id="5" name="页脚占位符 4">
             <a:extLst>
               <a:ext uri="{FF2B5EF4-FFF2-40B4-BE49-F238E27FC236}">
-                <a16:creationId xmlns:a16="http://schemas.microsoft.com/office/drawing/2014/main" id="{C90F4169-DD70-ECDA-34AF-6BF18DF4EC8C}"/>
+                <a16:creationId xmlns:a16="http://schemas.microsoft.com/office/drawing/2014/main" id="{A33FB69F-316A-914C-99F4-F9EA07046C09}"/>
               </a:ext>
             </a:extLst>
           </p:cNvPr>
@@ -894,7 +894,7 @@
           <p:cNvPr id="6" name="灯片编号占位符 5">
             <a:extLst>
               <a:ext uri="{FF2B5EF4-FFF2-40B4-BE49-F238E27FC236}">
-                <a16:creationId xmlns:a16="http://schemas.microsoft.com/office/drawing/2014/main" id="{E157E636-6E75-936F-E3E3-D6C1CBB6A59E}"/>
+                <a16:creationId xmlns:a16="http://schemas.microsoft.com/office/drawing/2014/main" id="{DD236F14-4AFB-535F-7FEE-0820B978BE43}"/>
               </a:ext>
             </a:extLst>
           </p:cNvPr>
@@ -910,7 +910,7 @@
           <a:bodyPr/>
           <a:lstStyle/>
           <a:p>
-            <a:fld id="{D44C3FA2-A2AD-42D0-ADB5-838461FB3B30}" type="slidenum">
+            <a:fld id="{593C2A23-1E34-4F7A-B36B-50426E181041}" type="slidenum">
               <a:rPr lang="zh-CN" altLang="en-US" smtClean="0"/>
               <a:t>‹#›</a:t>
             </a:fld>
@@ -921,7 +921,7 @@
     </p:spTree>
     <p:extLst>
       <p:ext uri="{BB962C8B-B14F-4D97-AF65-F5344CB8AC3E}">
-        <p14:creationId xmlns:p14="http://schemas.microsoft.com/office/powerpoint/2010/main" val="1133790310"/>
+        <p14:creationId xmlns:p14="http://schemas.microsoft.com/office/powerpoint/2010/main" val="1005923341"/>
       </p:ext>
     </p:extLst>
   </p:cSld>
@@ -953,7 +953,7 @@
           <p:cNvPr id="2" name="标题 1">
             <a:extLst>
               <a:ext uri="{FF2B5EF4-FFF2-40B4-BE49-F238E27FC236}">
-                <a16:creationId xmlns:a16="http://schemas.microsoft.com/office/drawing/2014/main" id="{47B63937-A9B1-3F72-3D10-6CDC3D67F9D1}"/>
+                <a16:creationId xmlns:a16="http://schemas.microsoft.com/office/drawing/2014/main" id="{ABEF7780-1047-A923-0F9B-A26AE8D01C04}"/>
               </a:ext>
             </a:extLst>
           </p:cNvPr>
@@ -990,7 +990,7 @@
           <p:cNvPr id="3" name="文本占位符 2">
             <a:extLst>
               <a:ext uri="{FF2B5EF4-FFF2-40B4-BE49-F238E27FC236}">
-                <a16:creationId xmlns:a16="http://schemas.microsoft.com/office/drawing/2014/main" id="{1FE3BFB2-6E19-ECDD-9E8D-1EFC6D2EC5CB}"/>
+                <a16:creationId xmlns:a16="http://schemas.microsoft.com/office/drawing/2014/main" id="{E60212AC-5F86-B764-C977-0B58AF474AAB}"/>
               </a:ext>
             </a:extLst>
           </p:cNvPr>
@@ -1115,7 +1115,7 @@
           <p:cNvPr id="4" name="日期占位符 3">
             <a:extLst>
               <a:ext uri="{FF2B5EF4-FFF2-40B4-BE49-F238E27FC236}">
-                <a16:creationId xmlns:a16="http://schemas.microsoft.com/office/drawing/2014/main" id="{E6D85D55-9D52-FF06-098A-9E8263DFB392}"/>
+                <a16:creationId xmlns:a16="http://schemas.microsoft.com/office/drawing/2014/main" id="{EBA84E04-D873-4A97-BC3C-552214D54C10}"/>
               </a:ext>
             </a:extLst>
           </p:cNvPr>
@@ -1131,7 +1131,7 @@
           <a:bodyPr/>
           <a:lstStyle/>
           <a:p>
-            <a:fld id="{E00C80D2-7CC3-4DF3-A100-B04EBF091CC6}" type="datetimeFigureOut">
+            <a:fld id="{FA644BDE-AFE5-4FC7-BE6B-28827A952D25}" type="datetimeFigureOut">
               <a:rPr lang="zh-CN" altLang="en-US" smtClean="0"/>
               <a:t>2024/3/10</a:t>
             </a:fld>
@@ -1144,7 +1144,7 @@
           <p:cNvPr id="5" name="页脚占位符 4">
             <a:extLst>
               <a:ext uri="{FF2B5EF4-FFF2-40B4-BE49-F238E27FC236}">
-                <a16:creationId xmlns:a16="http://schemas.microsoft.com/office/drawing/2014/main" id="{45832599-D5E3-C170-2220-FAAD9C9DF80B}"/>
+                <a16:creationId xmlns:a16="http://schemas.microsoft.com/office/drawing/2014/main" id="{B7CE0E7D-8A36-D8EB-1398-704ED3BC4778}"/>
               </a:ext>
             </a:extLst>
           </p:cNvPr>
@@ -1169,7 +1169,7 @@
           <p:cNvPr id="6" name="灯片编号占位符 5">
             <a:extLst>
               <a:ext uri="{FF2B5EF4-FFF2-40B4-BE49-F238E27FC236}">
-                <a16:creationId xmlns:a16="http://schemas.microsoft.com/office/drawing/2014/main" id="{193986D0-0D25-B3FC-2958-3BC6B918DABC}"/>
+                <a16:creationId xmlns:a16="http://schemas.microsoft.com/office/drawing/2014/main" id="{9CE0388A-E1F4-B5E2-654C-6F72DBC6AA60}"/>
               </a:ext>
             </a:extLst>
           </p:cNvPr>
@@ -1185,7 +1185,7 @@
           <a:bodyPr/>
           <a:lstStyle/>
           <a:p>
-            <a:fld id="{D44C3FA2-A2AD-42D0-ADB5-838461FB3B30}" type="slidenum">
+            <a:fld id="{593C2A23-1E34-4F7A-B36B-50426E181041}" type="slidenum">
               <a:rPr lang="zh-CN" altLang="en-US" smtClean="0"/>
               <a:t>‹#›</a:t>
             </a:fld>
@@ -1196,7 +1196,7 @@
     </p:spTree>
     <p:extLst>
       <p:ext uri="{BB962C8B-B14F-4D97-AF65-F5344CB8AC3E}">
-        <p14:creationId xmlns:p14="http://schemas.microsoft.com/office/powerpoint/2010/main" val="1260049677"/>
+        <p14:creationId xmlns:p14="http://schemas.microsoft.com/office/powerpoint/2010/main" val="816718056"/>
       </p:ext>
     </p:extLst>
   </p:cSld>
@@ -1228,7 +1228,7 @@
           <p:cNvPr id="2" name="标题 1">
             <a:extLst>
               <a:ext uri="{FF2B5EF4-FFF2-40B4-BE49-F238E27FC236}">
-                <a16:creationId xmlns:a16="http://schemas.microsoft.com/office/drawing/2014/main" id="{014E9E86-9813-E826-9774-D4304F89273E}"/>
+                <a16:creationId xmlns:a16="http://schemas.microsoft.com/office/drawing/2014/main" id="{BCE23469-01D6-4C05-C21F-05011C3B8AA7}"/>
               </a:ext>
             </a:extLst>
           </p:cNvPr>
@@ -1256,7 +1256,7 @@
           <p:cNvPr id="3" name="内容占位符 2">
             <a:extLst>
               <a:ext uri="{FF2B5EF4-FFF2-40B4-BE49-F238E27FC236}">
-                <a16:creationId xmlns:a16="http://schemas.microsoft.com/office/drawing/2014/main" id="{7982B04B-A920-D4DB-4D21-10C8107EC217}"/>
+                <a16:creationId xmlns:a16="http://schemas.microsoft.com/office/drawing/2014/main" id="{95F1EDD4-0B64-D152-6CC5-D817C8FC0D06}"/>
               </a:ext>
             </a:extLst>
           </p:cNvPr>
@@ -1318,7 +1318,7 @@
           <p:cNvPr id="4" name="内容占位符 3">
             <a:extLst>
               <a:ext uri="{FF2B5EF4-FFF2-40B4-BE49-F238E27FC236}">
-                <a16:creationId xmlns:a16="http://schemas.microsoft.com/office/drawing/2014/main" id="{1EBBD9D1-BDB0-A3E6-685C-D8F768BF276E}"/>
+                <a16:creationId xmlns:a16="http://schemas.microsoft.com/office/drawing/2014/main" id="{4006315B-5D7B-BFB6-CF46-EEB0BA8169D1}"/>
               </a:ext>
             </a:extLst>
           </p:cNvPr>
@@ -1380,7 +1380,7 @@
           <p:cNvPr id="5" name="日期占位符 4">
             <a:extLst>
               <a:ext uri="{FF2B5EF4-FFF2-40B4-BE49-F238E27FC236}">
-                <a16:creationId xmlns:a16="http://schemas.microsoft.com/office/drawing/2014/main" id="{1F58373D-6BFE-59ED-615F-A1A8FC352F1D}"/>
+                <a16:creationId xmlns:a16="http://schemas.microsoft.com/office/drawing/2014/main" id="{E90862EC-E6D1-0C54-52D5-3449EB1E6B3C}"/>
               </a:ext>
             </a:extLst>
           </p:cNvPr>
@@ -1396,7 +1396,7 @@
           <a:bodyPr/>
           <a:lstStyle/>
           <a:p>
-            <a:fld id="{E00C80D2-7CC3-4DF3-A100-B04EBF091CC6}" type="datetimeFigureOut">
+            <a:fld id="{FA644BDE-AFE5-4FC7-BE6B-28827A952D25}" type="datetimeFigureOut">
               <a:rPr lang="zh-CN" altLang="en-US" smtClean="0"/>
               <a:t>2024/3/10</a:t>
             </a:fld>
@@ -1409,7 +1409,7 @@
           <p:cNvPr id="6" name="页脚占位符 5">
             <a:extLst>
               <a:ext uri="{FF2B5EF4-FFF2-40B4-BE49-F238E27FC236}">
-                <a16:creationId xmlns:a16="http://schemas.microsoft.com/office/drawing/2014/main" id="{4246FF5E-F889-06C4-D2E5-6E48A1E8F3A6}"/>
+                <a16:creationId xmlns:a16="http://schemas.microsoft.com/office/drawing/2014/main" id="{D92E0060-B259-AC4A-D241-AB00703EC43D}"/>
               </a:ext>
             </a:extLst>
           </p:cNvPr>
@@ -1434,7 +1434,7 @@
           <p:cNvPr id="7" name="灯片编号占位符 6">
             <a:extLst>
               <a:ext uri="{FF2B5EF4-FFF2-40B4-BE49-F238E27FC236}">
-                <a16:creationId xmlns:a16="http://schemas.microsoft.com/office/drawing/2014/main" id="{3CA92744-EFB3-9B08-00ED-C2AE168AEDE3}"/>
+                <a16:creationId xmlns:a16="http://schemas.microsoft.com/office/drawing/2014/main" id="{B008CC82-C92C-EA73-67A5-5100793E7521}"/>
               </a:ext>
             </a:extLst>
           </p:cNvPr>
@@ -1450,7 +1450,7 @@
           <a:bodyPr/>
           <a:lstStyle/>
           <a:p>
-            <a:fld id="{D44C3FA2-A2AD-42D0-ADB5-838461FB3B30}" type="slidenum">
+            <a:fld id="{593C2A23-1E34-4F7A-B36B-50426E181041}" type="slidenum">
               <a:rPr lang="zh-CN" altLang="en-US" smtClean="0"/>
               <a:t>‹#›</a:t>
             </a:fld>
@@ -1461,7 +1461,7 @@
     </p:spTree>
     <p:extLst>
       <p:ext uri="{BB962C8B-B14F-4D97-AF65-F5344CB8AC3E}">
-        <p14:creationId xmlns:p14="http://schemas.microsoft.com/office/powerpoint/2010/main" val="3218500675"/>
+        <p14:creationId xmlns:p14="http://schemas.microsoft.com/office/powerpoint/2010/main" val="3996918323"/>
       </p:ext>
     </p:extLst>
   </p:cSld>
@@ -1493,7 +1493,7 @@
           <p:cNvPr id="2" name="标题 1">
             <a:extLst>
               <a:ext uri="{FF2B5EF4-FFF2-40B4-BE49-F238E27FC236}">
-                <a16:creationId xmlns:a16="http://schemas.microsoft.com/office/drawing/2014/main" id="{0AE2C8C3-0161-A960-9B6D-C29DC857CDBF}"/>
+                <a16:creationId xmlns:a16="http://schemas.microsoft.com/office/drawing/2014/main" id="{E5938B1F-3944-BB8B-9982-17FCA989D278}"/>
               </a:ext>
             </a:extLst>
           </p:cNvPr>
@@ -1526,7 +1526,7 @@
           <p:cNvPr id="3" name="文本占位符 2">
             <a:extLst>
               <a:ext uri="{FF2B5EF4-FFF2-40B4-BE49-F238E27FC236}">
-                <a16:creationId xmlns:a16="http://schemas.microsoft.com/office/drawing/2014/main" id="{78884E95-1678-B5F5-B579-DB508ACD5435}"/>
+                <a16:creationId xmlns:a16="http://schemas.microsoft.com/office/drawing/2014/main" id="{277AC87D-0BE4-F5D8-6DDF-32D7EAF4FBDD}"/>
               </a:ext>
             </a:extLst>
           </p:cNvPr>
@@ -1597,7 +1597,7 @@
           <p:cNvPr id="4" name="内容占位符 3">
             <a:extLst>
               <a:ext uri="{FF2B5EF4-FFF2-40B4-BE49-F238E27FC236}">
-                <a16:creationId xmlns:a16="http://schemas.microsoft.com/office/drawing/2014/main" id="{CA579BC7-0A6B-8B93-921F-EF351A7CE980}"/>
+                <a16:creationId xmlns:a16="http://schemas.microsoft.com/office/drawing/2014/main" id="{8B276F60-4202-C67B-CBD2-347989E9BF1B}"/>
               </a:ext>
             </a:extLst>
           </p:cNvPr>
@@ -1659,7 +1659,7 @@
           <p:cNvPr id="5" name="文本占位符 4">
             <a:extLst>
               <a:ext uri="{FF2B5EF4-FFF2-40B4-BE49-F238E27FC236}">
-                <a16:creationId xmlns:a16="http://schemas.microsoft.com/office/drawing/2014/main" id="{E6E33205-755B-07C6-07F0-EF193E15C7E2}"/>
+                <a16:creationId xmlns:a16="http://schemas.microsoft.com/office/drawing/2014/main" id="{0CB56D59-2A30-2CFB-207B-43A1760D4D59}"/>
               </a:ext>
             </a:extLst>
           </p:cNvPr>
@@ -1730,7 +1730,7 @@
           <p:cNvPr id="6" name="内容占位符 5">
             <a:extLst>
               <a:ext uri="{FF2B5EF4-FFF2-40B4-BE49-F238E27FC236}">
-                <a16:creationId xmlns:a16="http://schemas.microsoft.com/office/drawing/2014/main" id="{6AF5DB29-EA8E-C8F9-BF86-3478325B6843}"/>
+                <a16:creationId xmlns:a16="http://schemas.microsoft.com/office/drawing/2014/main" id="{BC8A048F-552C-1963-3E46-39DDB76183E6}"/>
               </a:ext>
             </a:extLst>
           </p:cNvPr>
@@ -1792,7 +1792,7 @@
           <p:cNvPr id="7" name="日期占位符 6">
             <a:extLst>
               <a:ext uri="{FF2B5EF4-FFF2-40B4-BE49-F238E27FC236}">
-                <a16:creationId xmlns:a16="http://schemas.microsoft.com/office/drawing/2014/main" id="{211C7472-8083-F084-6B65-6E3C24B9100A}"/>
+                <a16:creationId xmlns:a16="http://schemas.microsoft.com/office/drawing/2014/main" id="{45946F83-24BB-46E0-B5A8-1432638702E1}"/>
               </a:ext>
             </a:extLst>
           </p:cNvPr>
@@ -1808,7 +1808,7 @@
           <a:bodyPr/>
           <a:lstStyle/>
           <a:p>
-            <a:fld id="{E00C80D2-7CC3-4DF3-A100-B04EBF091CC6}" type="datetimeFigureOut">
+            <a:fld id="{FA644BDE-AFE5-4FC7-BE6B-28827A952D25}" type="datetimeFigureOut">
               <a:rPr lang="zh-CN" altLang="en-US" smtClean="0"/>
               <a:t>2024/3/10</a:t>
             </a:fld>
@@ -1821,7 +1821,7 @@
           <p:cNvPr id="8" name="页脚占位符 7">
             <a:extLst>
               <a:ext uri="{FF2B5EF4-FFF2-40B4-BE49-F238E27FC236}">
-                <a16:creationId xmlns:a16="http://schemas.microsoft.com/office/drawing/2014/main" id="{8EEBC11F-0C75-D69A-9994-A5C996E464ED}"/>
+                <a16:creationId xmlns:a16="http://schemas.microsoft.com/office/drawing/2014/main" id="{0A3E12AF-3713-FC7B-4E18-F192FFDBF716}"/>
               </a:ext>
             </a:extLst>
           </p:cNvPr>
@@ -1846,7 +1846,7 @@
           <p:cNvPr id="9" name="灯片编号占位符 8">
             <a:extLst>
               <a:ext uri="{FF2B5EF4-FFF2-40B4-BE49-F238E27FC236}">
-                <a16:creationId xmlns:a16="http://schemas.microsoft.com/office/drawing/2014/main" id="{9B068E07-4D45-FFE0-17A7-412312520855}"/>
+                <a16:creationId xmlns:a16="http://schemas.microsoft.com/office/drawing/2014/main" id="{DBA07B2D-2A3E-8139-1144-CB416573A7BF}"/>
               </a:ext>
             </a:extLst>
           </p:cNvPr>
@@ -1862,7 +1862,7 @@
           <a:bodyPr/>
           <a:lstStyle/>
           <a:p>
-            <a:fld id="{D44C3FA2-A2AD-42D0-ADB5-838461FB3B30}" type="slidenum">
+            <a:fld id="{593C2A23-1E34-4F7A-B36B-50426E181041}" type="slidenum">
               <a:rPr lang="zh-CN" altLang="en-US" smtClean="0"/>
               <a:t>‹#›</a:t>
             </a:fld>
@@ -1873,7 +1873,7 @@
     </p:spTree>
     <p:extLst>
       <p:ext uri="{BB962C8B-B14F-4D97-AF65-F5344CB8AC3E}">
-        <p14:creationId xmlns:p14="http://schemas.microsoft.com/office/powerpoint/2010/main" val="1882717481"/>
+        <p14:creationId xmlns:p14="http://schemas.microsoft.com/office/powerpoint/2010/main" val="2006659265"/>
       </p:ext>
     </p:extLst>
   </p:cSld>
@@ -1905,7 +1905,7 @@
           <p:cNvPr id="2" name="标题 1">
             <a:extLst>
               <a:ext uri="{FF2B5EF4-FFF2-40B4-BE49-F238E27FC236}">
-                <a16:creationId xmlns:a16="http://schemas.microsoft.com/office/drawing/2014/main" id="{F9891329-15C4-C0F5-EBA1-3DCC263008C1}"/>
+                <a16:creationId xmlns:a16="http://schemas.microsoft.com/office/drawing/2014/main" id="{33B37DD6-FE1D-AD34-193A-B07129373319}"/>
               </a:ext>
             </a:extLst>
           </p:cNvPr>
@@ -1933,7 +1933,7 @@
           <p:cNvPr id="3" name="日期占位符 2">
             <a:extLst>
               <a:ext uri="{FF2B5EF4-FFF2-40B4-BE49-F238E27FC236}">
-                <a16:creationId xmlns:a16="http://schemas.microsoft.com/office/drawing/2014/main" id="{60C367C1-BF7C-4353-67E8-EB5733A81BAF}"/>
+                <a16:creationId xmlns:a16="http://schemas.microsoft.com/office/drawing/2014/main" id="{0C58368F-9956-697A-3A8E-F2C663B53B7C}"/>
               </a:ext>
             </a:extLst>
           </p:cNvPr>
@@ -1949,7 +1949,7 @@
           <a:bodyPr/>
           <a:lstStyle/>
           <a:p>
-            <a:fld id="{E00C80D2-7CC3-4DF3-A100-B04EBF091CC6}" type="datetimeFigureOut">
+            <a:fld id="{FA644BDE-AFE5-4FC7-BE6B-28827A952D25}" type="datetimeFigureOut">
               <a:rPr lang="zh-CN" altLang="en-US" smtClean="0"/>
               <a:t>2024/3/10</a:t>
             </a:fld>
@@ -1962,7 +1962,7 @@
           <p:cNvPr id="4" name="页脚占位符 3">
             <a:extLst>
               <a:ext uri="{FF2B5EF4-FFF2-40B4-BE49-F238E27FC236}">
-                <a16:creationId xmlns:a16="http://schemas.microsoft.com/office/drawing/2014/main" id="{67025E66-4BD3-DEE8-48FF-F049F35CC5C6}"/>
+                <a16:creationId xmlns:a16="http://schemas.microsoft.com/office/drawing/2014/main" id="{537A3828-EE46-1509-1665-92AE86B7D1B7}"/>
               </a:ext>
             </a:extLst>
           </p:cNvPr>
@@ -1987,7 +1987,7 @@
           <p:cNvPr id="5" name="灯片编号占位符 4">
             <a:extLst>
               <a:ext uri="{FF2B5EF4-FFF2-40B4-BE49-F238E27FC236}">
-                <a16:creationId xmlns:a16="http://schemas.microsoft.com/office/drawing/2014/main" id="{394D1445-1811-4C5A-8530-8A67B645E4B6}"/>
+                <a16:creationId xmlns:a16="http://schemas.microsoft.com/office/drawing/2014/main" id="{A41B65B0-059B-58A2-178C-CDFB7D02E777}"/>
               </a:ext>
             </a:extLst>
           </p:cNvPr>
@@ -2003,7 +2003,7 @@
           <a:bodyPr/>
           <a:lstStyle/>
           <a:p>
-            <a:fld id="{D44C3FA2-A2AD-42D0-ADB5-838461FB3B30}" type="slidenum">
+            <a:fld id="{593C2A23-1E34-4F7A-B36B-50426E181041}" type="slidenum">
               <a:rPr lang="zh-CN" altLang="en-US" smtClean="0"/>
               <a:t>‹#›</a:t>
             </a:fld>
@@ -2014,7 +2014,7 @@
     </p:spTree>
     <p:extLst>
       <p:ext uri="{BB962C8B-B14F-4D97-AF65-F5344CB8AC3E}">
-        <p14:creationId xmlns:p14="http://schemas.microsoft.com/office/powerpoint/2010/main" val="820012235"/>
+        <p14:creationId xmlns:p14="http://schemas.microsoft.com/office/powerpoint/2010/main" val="3543818757"/>
       </p:ext>
     </p:extLst>
   </p:cSld>
@@ -2046,7 +2046,7 @@
           <p:cNvPr id="2" name="日期占位符 1">
             <a:extLst>
               <a:ext uri="{FF2B5EF4-FFF2-40B4-BE49-F238E27FC236}">
-                <a16:creationId xmlns:a16="http://schemas.microsoft.com/office/drawing/2014/main" id="{98223C31-5BBF-EF09-C63C-E30B0EF66614}"/>
+                <a16:creationId xmlns:a16="http://schemas.microsoft.com/office/drawing/2014/main" id="{B6A01BD2-A3FF-CD27-EB80-6406D2FAEDF4}"/>
               </a:ext>
             </a:extLst>
           </p:cNvPr>
@@ -2062,7 +2062,7 @@
           <a:bodyPr/>
           <a:lstStyle/>
           <a:p>
-            <a:fld id="{E00C80D2-7CC3-4DF3-A100-B04EBF091CC6}" type="datetimeFigureOut">
+            <a:fld id="{FA644BDE-AFE5-4FC7-BE6B-28827A952D25}" type="datetimeFigureOut">
               <a:rPr lang="zh-CN" altLang="en-US" smtClean="0"/>
               <a:t>2024/3/10</a:t>
             </a:fld>
@@ -2075,7 +2075,7 @@
           <p:cNvPr id="3" name="页脚占位符 2">
             <a:extLst>
               <a:ext uri="{FF2B5EF4-FFF2-40B4-BE49-F238E27FC236}">
-                <a16:creationId xmlns:a16="http://schemas.microsoft.com/office/drawing/2014/main" id="{24548DAC-FC1C-C391-83A8-FE543BE684D8}"/>
+                <a16:creationId xmlns:a16="http://schemas.microsoft.com/office/drawing/2014/main" id="{76E022DD-F080-D92C-539A-86B0900BC109}"/>
               </a:ext>
             </a:extLst>
           </p:cNvPr>
@@ -2100,7 +2100,7 @@
           <p:cNvPr id="4" name="灯片编号占位符 3">
             <a:extLst>
               <a:ext uri="{FF2B5EF4-FFF2-40B4-BE49-F238E27FC236}">
-                <a16:creationId xmlns:a16="http://schemas.microsoft.com/office/drawing/2014/main" id="{0CB9A7AA-1120-499E-53EC-E217DCED3753}"/>
+                <a16:creationId xmlns:a16="http://schemas.microsoft.com/office/drawing/2014/main" id="{703812F4-B520-EE76-F72B-1C90078919BF}"/>
               </a:ext>
             </a:extLst>
           </p:cNvPr>
@@ -2116,7 +2116,7 @@
           <a:bodyPr/>
           <a:lstStyle/>
           <a:p>
-            <a:fld id="{D44C3FA2-A2AD-42D0-ADB5-838461FB3B30}" type="slidenum">
+            <a:fld id="{593C2A23-1E34-4F7A-B36B-50426E181041}" type="slidenum">
               <a:rPr lang="zh-CN" altLang="en-US" smtClean="0"/>
               <a:t>‹#›</a:t>
             </a:fld>
@@ -2127,7 +2127,7 @@
     </p:spTree>
     <p:extLst>
       <p:ext uri="{BB962C8B-B14F-4D97-AF65-F5344CB8AC3E}">
-        <p14:creationId xmlns:p14="http://schemas.microsoft.com/office/powerpoint/2010/main" val="643245927"/>
+        <p14:creationId xmlns:p14="http://schemas.microsoft.com/office/powerpoint/2010/main" val="2562036216"/>
       </p:ext>
     </p:extLst>
   </p:cSld>
@@ -2159,7 +2159,7 @@
           <p:cNvPr id="2" name="标题 1">
             <a:extLst>
               <a:ext uri="{FF2B5EF4-FFF2-40B4-BE49-F238E27FC236}">
-                <a16:creationId xmlns:a16="http://schemas.microsoft.com/office/drawing/2014/main" id="{C7A7EBEE-B157-6EF7-364B-38525BDAE400}"/>
+                <a16:creationId xmlns:a16="http://schemas.microsoft.com/office/drawing/2014/main" id="{796E50E5-B48C-410D-F1EF-4FF697295DE5}"/>
               </a:ext>
             </a:extLst>
           </p:cNvPr>
@@ -2196,7 +2196,7 @@
           <p:cNvPr id="3" name="内容占位符 2">
             <a:extLst>
               <a:ext uri="{FF2B5EF4-FFF2-40B4-BE49-F238E27FC236}">
-                <a16:creationId xmlns:a16="http://schemas.microsoft.com/office/drawing/2014/main" id="{72478611-E9FB-D650-BDF3-225B5DC26B1B}"/>
+                <a16:creationId xmlns:a16="http://schemas.microsoft.com/office/drawing/2014/main" id="{5B646BBC-67F4-8B84-691E-0EE32D4F48C5}"/>
               </a:ext>
             </a:extLst>
           </p:cNvPr>
@@ -2286,7 +2286,7 @@
           <p:cNvPr id="4" name="文本占位符 3">
             <a:extLst>
               <a:ext uri="{FF2B5EF4-FFF2-40B4-BE49-F238E27FC236}">
-                <a16:creationId xmlns:a16="http://schemas.microsoft.com/office/drawing/2014/main" id="{A573ECE2-B111-81F3-7EE6-A7A1D53C67A3}"/>
+                <a16:creationId xmlns:a16="http://schemas.microsoft.com/office/drawing/2014/main" id="{413C9FC4-518D-5730-261A-3A6A3A237702}"/>
               </a:ext>
             </a:extLst>
           </p:cNvPr>
@@ -2357,7 +2357,7 @@
           <p:cNvPr id="5" name="日期占位符 4">
             <a:extLst>
               <a:ext uri="{FF2B5EF4-FFF2-40B4-BE49-F238E27FC236}">
-                <a16:creationId xmlns:a16="http://schemas.microsoft.com/office/drawing/2014/main" id="{EBCAF788-2E81-4D5E-D77A-04C67EE7734C}"/>
+                <a16:creationId xmlns:a16="http://schemas.microsoft.com/office/drawing/2014/main" id="{337D67D8-4E57-1870-8A02-96E95E48B1B7}"/>
               </a:ext>
             </a:extLst>
           </p:cNvPr>
@@ -2373,7 +2373,7 @@
           <a:bodyPr/>
           <a:lstStyle/>
           <a:p>
-            <a:fld id="{E00C80D2-7CC3-4DF3-A100-B04EBF091CC6}" type="datetimeFigureOut">
+            <a:fld id="{FA644BDE-AFE5-4FC7-BE6B-28827A952D25}" type="datetimeFigureOut">
               <a:rPr lang="zh-CN" altLang="en-US" smtClean="0"/>
               <a:t>2024/3/10</a:t>
             </a:fld>
@@ -2386,7 +2386,7 @@
           <p:cNvPr id="6" name="页脚占位符 5">
             <a:extLst>
               <a:ext uri="{FF2B5EF4-FFF2-40B4-BE49-F238E27FC236}">
-                <a16:creationId xmlns:a16="http://schemas.microsoft.com/office/drawing/2014/main" id="{3E923BF1-2306-2FFC-2D2C-5353B4AF3C5D}"/>
+                <a16:creationId xmlns:a16="http://schemas.microsoft.com/office/drawing/2014/main" id="{89FD8DD6-AFB1-1AA5-03A1-5EBF70D126E2}"/>
               </a:ext>
             </a:extLst>
           </p:cNvPr>
@@ -2411,7 +2411,7 @@
           <p:cNvPr id="7" name="灯片编号占位符 6">
             <a:extLst>
               <a:ext uri="{FF2B5EF4-FFF2-40B4-BE49-F238E27FC236}">
-                <a16:creationId xmlns:a16="http://schemas.microsoft.com/office/drawing/2014/main" id="{6C64F100-6E5D-AE14-B43D-0E91C9AA929F}"/>
+                <a16:creationId xmlns:a16="http://schemas.microsoft.com/office/drawing/2014/main" id="{F7211110-B8EB-F7D8-8EBB-A4D17EDB03D8}"/>
               </a:ext>
             </a:extLst>
           </p:cNvPr>
@@ -2427,7 +2427,7 @@
           <a:bodyPr/>
           <a:lstStyle/>
           <a:p>
-            <a:fld id="{D44C3FA2-A2AD-42D0-ADB5-838461FB3B30}" type="slidenum">
+            <a:fld id="{593C2A23-1E34-4F7A-B36B-50426E181041}" type="slidenum">
               <a:rPr lang="zh-CN" altLang="en-US" smtClean="0"/>
               <a:t>‹#›</a:t>
             </a:fld>
@@ -2438,7 +2438,7 @@
     </p:spTree>
     <p:extLst>
       <p:ext uri="{BB962C8B-B14F-4D97-AF65-F5344CB8AC3E}">
-        <p14:creationId xmlns:p14="http://schemas.microsoft.com/office/powerpoint/2010/main" val="2240899307"/>
+        <p14:creationId xmlns:p14="http://schemas.microsoft.com/office/powerpoint/2010/main" val="655599843"/>
       </p:ext>
     </p:extLst>
   </p:cSld>
@@ -2470,7 +2470,7 @@
           <p:cNvPr id="2" name="标题 1">
             <a:extLst>
               <a:ext uri="{FF2B5EF4-FFF2-40B4-BE49-F238E27FC236}">
-                <a16:creationId xmlns:a16="http://schemas.microsoft.com/office/drawing/2014/main" id="{A2050D5F-3981-1A1B-F834-84A1AEEE04BA}"/>
+                <a16:creationId xmlns:a16="http://schemas.microsoft.com/office/drawing/2014/main" id="{04732395-8E24-0B02-9E54-C839EFCC691A}"/>
               </a:ext>
             </a:extLst>
           </p:cNvPr>
@@ -2507,7 +2507,7 @@
           <p:cNvPr id="3" name="图片占位符 2">
             <a:extLst>
               <a:ext uri="{FF2B5EF4-FFF2-40B4-BE49-F238E27FC236}">
-                <a16:creationId xmlns:a16="http://schemas.microsoft.com/office/drawing/2014/main" id="{37363C98-5E3A-FF69-0FA2-622E09004A7B}"/>
+                <a16:creationId xmlns:a16="http://schemas.microsoft.com/office/drawing/2014/main" id="{38499809-0728-6DA0-5172-340B0F3C226B}"/>
               </a:ext>
             </a:extLst>
           </p:cNvPr>
@@ -2574,7 +2574,7 @@
           <p:cNvPr id="4" name="文本占位符 3">
             <a:extLst>
               <a:ext uri="{FF2B5EF4-FFF2-40B4-BE49-F238E27FC236}">
-                <a16:creationId xmlns:a16="http://schemas.microsoft.com/office/drawing/2014/main" id="{83253531-02BC-1F76-B371-1F58C75AC947}"/>
+                <a16:creationId xmlns:a16="http://schemas.microsoft.com/office/drawing/2014/main" id="{163F547B-C853-2867-6434-87FDA01B86E7}"/>
               </a:ext>
             </a:extLst>
           </p:cNvPr>
@@ -2645,7 +2645,7 @@
           <p:cNvPr id="5" name="日期占位符 4">
             <a:extLst>
               <a:ext uri="{FF2B5EF4-FFF2-40B4-BE49-F238E27FC236}">
-                <a16:creationId xmlns:a16="http://schemas.microsoft.com/office/drawing/2014/main" id="{B6F4E622-69E0-0180-4778-A20B67C4482A}"/>
+                <a16:creationId xmlns:a16="http://schemas.microsoft.com/office/drawing/2014/main" id="{32443A56-E330-693C-84B3-E8836FD1BBA7}"/>
               </a:ext>
             </a:extLst>
           </p:cNvPr>
@@ -2661,7 +2661,7 @@
           <a:bodyPr/>
           <a:lstStyle/>
           <a:p>
-            <a:fld id="{E00C80D2-7CC3-4DF3-A100-B04EBF091CC6}" type="datetimeFigureOut">
+            <a:fld id="{FA644BDE-AFE5-4FC7-BE6B-28827A952D25}" type="datetimeFigureOut">
               <a:rPr lang="zh-CN" altLang="en-US" smtClean="0"/>
               <a:t>2024/3/10</a:t>
             </a:fld>
@@ -2674,7 +2674,7 @@
           <p:cNvPr id="6" name="页脚占位符 5">
             <a:extLst>
               <a:ext uri="{FF2B5EF4-FFF2-40B4-BE49-F238E27FC236}">
-                <a16:creationId xmlns:a16="http://schemas.microsoft.com/office/drawing/2014/main" id="{CF0E8737-594E-4E42-DBB3-1FB96D9E8E6B}"/>
+                <a16:creationId xmlns:a16="http://schemas.microsoft.com/office/drawing/2014/main" id="{77703411-17FB-ABFE-4DDF-36B98341546C}"/>
               </a:ext>
             </a:extLst>
           </p:cNvPr>
@@ -2699,7 +2699,7 @@
           <p:cNvPr id="7" name="灯片编号占位符 6">
             <a:extLst>
               <a:ext uri="{FF2B5EF4-FFF2-40B4-BE49-F238E27FC236}">
-                <a16:creationId xmlns:a16="http://schemas.microsoft.com/office/drawing/2014/main" id="{B08DE852-A99E-7C1A-2281-FA363EBEE460}"/>
+                <a16:creationId xmlns:a16="http://schemas.microsoft.com/office/drawing/2014/main" id="{FFF7108F-FD71-A802-0AC3-CAB60FA869E8}"/>
               </a:ext>
             </a:extLst>
           </p:cNvPr>
@@ -2715,7 +2715,7 @@
           <a:bodyPr/>
           <a:lstStyle/>
           <a:p>
-            <a:fld id="{D44C3FA2-A2AD-42D0-ADB5-838461FB3B30}" type="slidenum">
+            <a:fld id="{593C2A23-1E34-4F7A-B36B-50426E181041}" type="slidenum">
               <a:rPr lang="zh-CN" altLang="en-US" smtClean="0"/>
               <a:t>‹#›</a:t>
             </a:fld>
@@ -2726,7 +2726,7 @@
     </p:spTree>
     <p:extLst>
       <p:ext uri="{BB962C8B-B14F-4D97-AF65-F5344CB8AC3E}">
-        <p14:creationId xmlns:p14="http://schemas.microsoft.com/office/powerpoint/2010/main" val="2008518833"/>
+        <p14:creationId xmlns:p14="http://schemas.microsoft.com/office/powerpoint/2010/main" val="2852297431"/>
       </p:ext>
     </p:extLst>
   </p:cSld>
@@ -2763,7 +2763,7 @@
           <p:cNvPr id="2" name="标题占位符 1">
             <a:extLst>
               <a:ext uri="{FF2B5EF4-FFF2-40B4-BE49-F238E27FC236}">
-                <a16:creationId xmlns:a16="http://schemas.microsoft.com/office/drawing/2014/main" id="{33C72115-0ABD-CA17-C32F-0AD4133141E9}"/>
+                <a16:creationId xmlns:a16="http://schemas.microsoft.com/office/drawing/2014/main" id="{AB213BE3-7BF0-8E06-45C7-62428E756EA8}"/>
               </a:ext>
             </a:extLst>
           </p:cNvPr>
@@ -2801,7 +2801,7 @@
           <p:cNvPr id="3" name="文本占位符 2">
             <a:extLst>
               <a:ext uri="{FF2B5EF4-FFF2-40B4-BE49-F238E27FC236}">
-                <a16:creationId xmlns:a16="http://schemas.microsoft.com/office/drawing/2014/main" id="{7660AD9D-32FA-2DA4-3924-B5593243F569}"/>
+                <a16:creationId xmlns:a16="http://schemas.microsoft.com/office/drawing/2014/main" id="{B3033C06-6E2A-07B4-7893-2E7C72F060A3}"/>
               </a:ext>
             </a:extLst>
           </p:cNvPr>
@@ -2868,7 +2868,7 @@
           <p:cNvPr id="4" name="日期占位符 3">
             <a:extLst>
               <a:ext uri="{FF2B5EF4-FFF2-40B4-BE49-F238E27FC236}">
-                <a16:creationId xmlns:a16="http://schemas.microsoft.com/office/drawing/2014/main" id="{8AE61C27-762B-A1D1-19BD-EE33A8670086}"/>
+                <a16:creationId xmlns:a16="http://schemas.microsoft.com/office/drawing/2014/main" id="{A742374B-4706-C898-DDF6-B77168F50279}"/>
               </a:ext>
             </a:extLst>
           </p:cNvPr>
@@ -2902,7 +2902,7 @@
             </a:lvl1pPr>
           </a:lstStyle>
           <a:p>
-            <a:fld id="{E00C80D2-7CC3-4DF3-A100-B04EBF091CC6}" type="datetimeFigureOut">
+            <a:fld id="{FA644BDE-AFE5-4FC7-BE6B-28827A952D25}" type="datetimeFigureOut">
               <a:rPr lang="zh-CN" altLang="en-US" smtClean="0"/>
               <a:t>2024/3/10</a:t>
             </a:fld>
@@ -2915,7 +2915,7 @@
           <p:cNvPr id="5" name="页脚占位符 4">
             <a:extLst>
               <a:ext uri="{FF2B5EF4-FFF2-40B4-BE49-F238E27FC236}">
-                <a16:creationId xmlns:a16="http://schemas.microsoft.com/office/drawing/2014/main" id="{11692D3D-28BA-DF60-9D0D-4DB6A8B67514}"/>
+                <a16:creationId xmlns:a16="http://schemas.microsoft.com/office/drawing/2014/main" id="{5D8F5BFB-D567-DD5E-FC08-40E54C682A85}"/>
               </a:ext>
             </a:extLst>
           </p:cNvPr>
@@ -2958,7 +2958,7 @@
           <p:cNvPr id="6" name="灯片编号占位符 5">
             <a:extLst>
               <a:ext uri="{FF2B5EF4-FFF2-40B4-BE49-F238E27FC236}">
-                <a16:creationId xmlns:a16="http://schemas.microsoft.com/office/drawing/2014/main" id="{42D0E9EA-6C42-89BC-FEFA-1EBA852CD36F}"/>
+                <a16:creationId xmlns:a16="http://schemas.microsoft.com/office/drawing/2014/main" id="{04C69003-65ED-C066-64E3-343FAB980059}"/>
               </a:ext>
             </a:extLst>
           </p:cNvPr>
@@ -2992,7 +2992,7 @@
             </a:lvl1pPr>
           </a:lstStyle>
           <a:p>
-            <a:fld id="{D44C3FA2-A2AD-42D0-ADB5-838461FB3B30}" type="slidenum">
+            <a:fld id="{593C2A23-1E34-4F7A-B36B-50426E181041}" type="slidenum">
               <a:rPr lang="zh-CN" altLang="en-US" smtClean="0"/>
               <a:t>‹#›</a:t>
             </a:fld>
@@ -3003,7 +3003,7 @@
     </p:spTree>
     <p:extLst>
       <p:ext uri="{BB962C8B-B14F-4D97-AF65-F5344CB8AC3E}">
-        <p14:creationId xmlns:p14="http://schemas.microsoft.com/office/powerpoint/2010/main" val="803224977"/>
+        <p14:creationId xmlns:p14="http://schemas.microsoft.com/office/powerpoint/2010/main" val="1782517233"/>
       </p:ext>
     </p:extLst>
   </p:cSld>
@@ -3323,7 +3323,7 @@
       </p:grpSpPr>
       <p:pic>
         <p:nvPicPr>
-          <p:cNvPr id="311298" name="Picture 2" descr="303"/>
+          <p:cNvPr id="312322" name="Picture 2" descr="304"/>
           <p:cNvPicPr>
             <a:picLocks noChangeAspect="1" noChangeArrowheads="1"/>
           </p:cNvPicPr>
@@ -3344,8 +3344,8 @@
         </p:blipFill>
         <p:spPr bwMode="auto">
           <a:xfrm>
-            <a:off x="1524000" y="1"/>
-            <a:ext cx="9144000" cy="6238875"/>
+            <a:off x="1524000" y="0"/>
+            <a:ext cx="9144000" cy="6858000"/>
           </a:xfrm>
           <a:prstGeom prst="rect">
             <a:avLst/>
@@ -3375,11 +3375,158 @@
           </a:extLst>
         </p:spPr>
       </p:pic>
+      <p:pic>
+        <p:nvPicPr>
+          <p:cNvPr id="313347" name="Picture 3" descr="304-2"/>
+          <p:cNvPicPr>
+            <a:picLocks noChangeAspect="1" noChangeArrowheads="1"/>
+          </p:cNvPicPr>
+          <p:nvPr/>
+        </p:nvPicPr>
+        <p:blipFill>
+          <a:blip r:embed="rId3">
+            <a:extLst>
+              <a:ext uri="{28A0092B-C50C-407E-A947-70E740481C1C}">
+                <a14:useLocalDpi xmlns:a14="http://schemas.microsoft.com/office/drawing/2010/main" val="0"/>
+              </a:ext>
+            </a:extLst>
+          </a:blip>
+          <a:srcRect/>
+          <a:stretch>
+            <a:fillRect/>
+          </a:stretch>
+        </p:blipFill>
+        <p:spPr bwMode="auto">
+          <a:xfrm>
+            <a:off x="1524000" y="0"/>
+            <a:ext cx="9144000" cy="6858000"/>
+          </a:xfrm>
+          <a:prstGeom prst="rect">
+            <a:avLst/>
+          </a:prstGeom>
+          <a:noFill/>
+          <a:ln>
+            <a:noFill/>
+          </a:ln>
+          <a:effectLst/>
+          <a:extLst>
+            <a:ext uri="{909E8E84-426E-40DD-AFC4-6F175D3DCCD1}">
+              <a14:hiddenFill xmlns:a14="http://schemas.microsoft.com/office/drawing/2010/main">
+                <a:solidFill>
+                  <a:srgbClr val="FFFFFF"/>
+                </a:solidFill>
+              </a14:hiddenFill>
+            </a:ext>
+            <a:ext uri="{91240B29-F687-4F45-9708-019B960494DF}">
+              <a14:hiddenLine xmlns:a14="http://schemas.microsoft.com/office/drawing/2010/main" w="9525">
+                <a:solidFill>
+                  <a:srgbClr val="000000"/>
+                </a:solidFill>
+                <a:miter lim="800000"/>
+                <a:headEnd/>
+                <a:tailEnd/>
+              </a14:hiddenLine>
+            </a:ext>
+            <a:ext uri="{AF507438-7753-43E0-B8FC-AC1667EBCBE1}">
+              <a14:hiddenEffects xmlns:a14="http://schemas.microsoft.com/office/drawing/2010/main">
+                <a:effectLst>
+                  <a:outerShdw dist="35921" dir="2700000" algn="ctr" rotWithShape="0">
+                    <a:srgbClr val="808080"/>
+                  </a:outerShdw>
+                </a:effectLst>
+              </a14:hiddenEffects>
+            </a:ext>
+          </a:extLst>
+        </p:spPr>
+      </p:pic>
     </p:spTree>
   </p:cSld>
   <p:clrMapOvr>
     <a:masterClrMapping/>
   </p:clrMapOvr>
+  <p:timing>
+    <p:tnLst>
+      <p:par>
+        <p:cTn id="1" dur="indefinite" restart="never" nodeType="tmRoot">
+          <p:childTnLst>
+            <p:seq concurrent="1" nextAc="seek">
+              <p:cTn id="2" dur="indefinite" nodeType="mainSeq">
+                <p:childTnLst>
+                  <p:par>
+                    <p:cTn id="3" fill="hold" nodeType="clickPar">
+                      <p:stCondLst>
+                        <p:cond delay="indefinite"/>
+                      </p:stCondLst>
+                      <p:childTnLst>
+                        <p:par>
+                          <p:cTn id="4" fill="hold" nodeType="withGroup">
+                            <p:stCondLst>
+                              <p:cond delay="0"/>
+                            </p:stCondLst>
+                            <p:childTnLst>
+                              <p:par>
+                                <p:cTn id="5" presetID="10" presetClass="entr" presetSubtype="0" fill="hold" nodeType="clickEffect">
+                                  <p:stCondLst>
+                                    <p:cond delay="0"/>
+                                  </p:stCondLst>
+                                  <p:childTnLst>
+                                    <p:set>
+                                      <p:cBhvr>
+                                        <p:cTn id="6" dur="1" fill="hold">
+                                          <p:stCondLst>
+                                            <p:cond delay="0"/>
+                                          </p:stCondLst>
+                                        </p:cTn>
+                                        <p:tgtEl>
+                                          <p:spTgt spid="313347"/>
+                                        </p:tgtEl>
+                                        <p:attrNameLst>
+                                          <p:attrName>style.visibility</p:attrName>
+                                        </p:attrNameLst>
+                                      </p:cBhvr>
+                                      <p:to>
+                                        <p:strVal val="visible"/>
+                                      </p:to>
+                                    </p:set>
+                                    <p:animEffect transition="in" filter="fade">
+                                      <p:cBhvr>
+                                        <p:cTn id="7" dur="500"/>
+                                        <p:tgtEl>
+                                          <p:spTgt spid="313347"/>
+                                        </p:tgtEl>
+                                      </p:cBhvr>
+                                    </p:animEffect>
+                                  </p:childTnLst>
+                                </p:cTn>
+                              </p:par>
+                            </p:childTnLst>
+                          </p:cTn>
+                        </p:par>
+                      </p:childTnLst>
+                    </p:cTn>
+                  </p:par>
+                </p:childTnLst>
+              </p:cTn>
+              <p:prevCondLst>
+                <p:cond evt="onPrev" delay="0">
+                  <p:tgtEl>
+                    <p:sldTgt/>
+                  </p:tgtEl>
+                </p:cond>
+              </p:prevCondLst>
+              <p:nextCondLst>
+                <p:cond evt="onNext" delay="0">
+                  <p:tgtEl>
+                    <p:sldTgt/>
+                  </p:tgtEl>
+                </p:cond>
+              </p:nextCondLst>
+            </p:seq>
+          </p:childTnLst>
+        </p:cTn>
+      </p:par>
+    </p:tnLst>
+  </p:timing>
 </p:sld>
 </file>
 
